--- a/Report.pptx
+++ b/Report.pptx
@@ -2098,13 +2098,13 @@
     </dgm:pt>
   </dgm:ptLst>
   <dgm:cxnLst>
+    <dgm:cxn modelId="{1FACFAD8-529E-4492-B8C0-7632E9A23DAC}" type="presOf" srcId="{289B8D8F-1F91-48F0-A106-8CE52053F8C2}" destId="{8EFF35F2-7756-42B3-82C4-E79E6683A25E}" srcOrd="0" destOrd="0" presId="urn:microsoft.com/office/officeart/2005/8/layout/cycle1"/>
+    <dgm:cxn modelId="{35AE0C2F-4B40-4088-933B-31387E1ECB8B}" type="presOf" srcId="{63087193-73EA-4245-AFBA-80239B6B8F22}" destId="{F83AB5E1-27ED-4A4A-A0CF-38929B9FAA28}" srcOrd="0" destOrd="0" presId="urn:microsoft.com/office/officeart/2005/8/layout/cycle1"/>
+    <dgm:cxn modelId="{0BEACF85-93C5-4063-99FA-6768BF5959AA}" srcId="{A8394FDC-BEF3-4B54-8D7F-09802B9627F0}" destId="{289B8D8F-1F91-48F0-A106-8CE52053F8C2}" srcOrd="0" destOrd="0" parTransId="{DAF92985-E322-4579-A99B-ECA40ECFC3C1}" sibTransId="{63087193-73EA-4245-AFBA-80239B6B8F22}"/>
     <dgm:cxn modelId="{AC936201-23A7-45D8-84C8-8111153CF870}" type="presOf" srcId="{012093F9-978E-4B70-844A-E1BBFA563024}" destId="{89877EDB-CBBF-4247-B6DE-2A3EDD7EAD29}" srcOrd="0" destOrd="0" presId="urn:microsoft.com/office/officeart/2005/8/layout/cycle1"/>
-    <dgm:cxn modelId="{0BEACF85-93C5-4063-99FA-6768BF5959AA}" srcId="{A8394FDC-BEF3-4B54-8D7F-09802B9627F0}" destId="{289B8D8F-1F91-48F0-A106-8CE52053F8C2}" srcOrd="0" destOrd="0" parTransId="{DAF92985-E322-4579-A99B-ECA40ECFC3C1}" sibTransId="{63087193-73EA-4245-AFBA-80239B6B8F22}"/>
+    <dgm:cxn modelId="{010EF5E8-1A6D-4495-A4B2-F3F1E9CA00D3}" type="presOf" srcId="{9E43600D-55A8-4081-AAAC-5A113DC3999C}" destId="{7177B9EB-CC17-4C77-B238-77848CAA95E2}" srcOrd="0" destOrd="0" presId="urn:microsoft.com/office/officeart/2005/8/layout/cycle1"/>
     <dgm:cxn modelId="{00F65B79-8D48-4D4F-AAB1-47090D33C386}" srcId="{A8394FDC-BEF3-4B54-8D7F-09802B9627F0}" destId="{012093F9-978E-4B70-844A-E1BBFA563024}" srcOrd="1" destOrd="0" parTransId="{F135A883-BA98-4743-B6AB-FCA9011F0223}" sibTransId="{9E43600D-55A8-4081-AAAC-5A113DC3999C}"/>
     <dgm:cxn modelId="{D06567AA-7536-4B7C-B994-77E06E087D5F}" type="presOf" srcId="{A8394FDC-BEF3-4B54-8D7F-09802B9627F0}" destId="{46F2BC4D-4BDE-4B54-AF29-9786076A44ED}" srcOrd="0" destOrd="0" presId="urn:microsoft.com/office/officeart/2005/8/layout/cycle1"/>
-    <dgm:cxn modelId="{010EF5E8-1A6D-4495-A4B2-F3F1E9CA00D3}" type="presOf" srcId="{9E43600D-55A8-4081-AAAC-5A113DC3999C}" destId="{7177B9EB-CC17-4C77-B238-77848CAA95E2}" srcOrd="0" destOrd="0" presId="urn:microsoft.com/office/officeart/2005/8/layout/cycle1"/>
-    <dgm:cxn modelId="{1FACFAD8-529E-4492-B8C0-7632E9A23DAC}" type="presOf" srcId="{289B8D8F-1F91-48F0-A106-8CE52053F8C2}" destId="{8EFF35F2-7756-42B3-82C4-E79E6683A25E}" srcOrd="0" destOrd="0" presId="urn:microsoft.com/office/officeart/2005/8/layout/cycle1"/>
-    <dgm:cxn modelId="{35AE0C2F-4B40-4088-933B-31387E1ECB8B}" type="presOf" srcId="{63087193-73EA-4245-AFBA-80239B6B8F22}" destId="{F83AB5E1-27ED-4A4A-A0CF-38929B9FAA28}" srcOrd="0" destOrd="0" presId="urn:microsoft.com/office/officeart/2005/8/layout/cycle1"/>
     <dgm:cxn modelId="{06291877-65D2-4967-9CDA-59DDE4D37D98}" type="presParOf" srcId="{46F2BC4D-4BDE-4B54-AF29-9786076A44ED}" destId="{3C82DE5A-F629-4884-9223-F659BE115E59}" srcOrd="0" destOrd="0" presId="urn:microsoft.com/office/officeart/2005/8/layout/cycle1"/>
     <dgm:cxn modelId="{3A20A3D1-57DF-4EDE-862A-46069262C2CB}" type="presParOf" srcId="{46F2BC4D-4BDE-4B54-AF29-9786076A44ED}" destId="{8EFF35F2-7756-42B3-82C4-E79E6683A25E}" srcOrd="1" destOrd="0" presId="urn:microsoft.com/office/officeart/2005/8/layout/cycle1"/>
     <dgm:cxn modelId="{6AA37570-3ED7-4906-8C51-686ADB6D3D68}" type="presParOf" srcId="{46F2BC4D-4BDE-4B54-AF29-9786076A44ED}" destId="{F83AB5E1-27ED-4A4A-A0CF-38929B9FAA28}" srcOrd="2" destOrd="0" presId="urn:microsoft.com/office/officeart/2005/8/layout/cycle1"/>
@@ -2130,386 +2130,6 @@
       <dsp:cNvGrpSpPr/>
     </dsp:nvGrpSpPr>
     <dsp:grpSpPr/>
-    <dsp:sp modelId="{8EFF35F2-7756-42B3-82C4-E79E6683A25E}">
-      <dsp:nvSpPr>
-        <dsp:cNvPr id="0" name=""/>
-        <dsp:cNvSpPr/>
-      </dsp:nvSpPr>
-      <dsp:spPr>
-        <a:xfrm>
-          <a:off x="2609282" y="200250"/>
-          <a:ext cx="1019439" cy="1019439"/>
-        </a:xfrm>
-        <a:prstGeom prst="rect">
-          <a:avLst/>
-        </a:prstGeom>
-        <a:noFill/>
-        <a:ln>
-          <a:noFill/>
-        </a:ln>
-        <a:effectLst/>
-      </dsp:spPr>
-      <dsp:style>
-        <a:lnRef idx="0">
-          <a:scrgbClr r="0" g="0" b="0"/>
-        </a:lnRef>
-        <a:fillRef idx="0">
-          <a:scrgbClr r="0" g="0" b="0"/>
-        </a:fillRef>
-        <a:effectRef idx="0">
-          <a:scrgbClr r="0" g="0" b="0"/>
-        </a:effectRef>
-        <a:fontRef idx="minor"/>
-      </dsp:style>
-      <dsp:txBody>
-        <a:bodyPr spcFirstLastPara="0" vert="horz" wrap="square" lIns="20320" tIns="20320" rIns="20320" bIns="20320" numCol="1" spcCol="1270" anchor="ctr" anchorCtr="0">
-          <a:noAutofit/>
-        </a:bodyPr>
-        <a:lstStyle/>
-        <a:p>
-          <a:pPr lvl="0" algn="ctr" defTabSz="711200">
-            <a:lnSpc>
-              <a:spcPct val="90000"/>
-            </a:lnSpc>
-            <a:spcBef>
-              <a:spcPct val="0"/>
-            </a:spcBef>
-            <a:spcAft>
-              <a:spcPct val="35000"/>
-            </a:spcAft>
-          </a:pPr>
-          <a:r>
-            <a:rPr lang="en-US" sz="1600" b="1" kern="1200" dirty="0" smtClean="0">
-              <a:solidFill>
-                <a:schemeClr val="accent6">
-                  <a:lumMod val="75000"/>
-                </a:schemeClr>
-              </a:solidFill>
-            </a:rPr>
-            <a:t>Normal</a:t>
-          </a:r>
-          <a:endParaRPr lang="en-US" sz="1600" b="1" kern="1200" dirty="0">
-            <a:solidFill>
-              <a:schemeClr val="accent6">
-                <a:lumMod val="75000"/>
-              </a:schemeClr>
-            </a:solidFill>
-          </a:endParaRPr>
-        </a:p>
-      </dsp:txBody>
-      <dsp:txXfrm>
-        <a:off x="2609282" y="200250"/>
-        <a:ext cx="1019439" cy="1019439"/>
-      </dsp:txXfrm>
-    </dsp:sp>
-    <dsp:sp modelId="{F83AB5E1-27ED-4A4A-A0CF-38929B9FAA28}">
-      <dsp:nvSpPr>
-        <dsp:cNvPr id="0" name=""/>
-        <dsp:cNvSpPr/>
-      </dsp:nvSpPr>
-      <dsp:spPr>
-        <a:xfrm>
-          <a:off x="1057030" y="-184"/>
-          <a:ext cx="2409909" cy="2409909"/>
-        </a:xfrm>
-        <a:prstGeom prst="circularArrow">
-          <a:avLst>
-            <a:gd name="adj1" fmla="val 8249"/>
-            <a:gd name="adj2" fmla="val 576154"/>
-            <a:gd name="adj3" fmla="val 2963687"/>
-            <a:gd name="adj4" fmla="val 51836"/>
-            <a:gd name="adj5" fmla="val 9624"/>
-          </a:avLst>
-        </a:prstGeom>
-        <a:solidFill>
-          <a:schemeClr val="accent1">
-            <a:hueOff val="0"/>
-            <a:satOff val="0"/>
-            <a:lumOff val="0"/>
-            <a:alphaOff val="0"/>
-          </a:schemeClr>
-        </a:solidFill>
-        <a:ln w="12700" cap="flat" cmpd="sng" algn="ctr">
-          <a:solidFill>
-            <a:schemeClr val="lt1">
-              <a:hueOff val="0"/>
-              <a:satOff val="0"/>
-              <a:lumOff val="0"/>
-              <a:alphaOff val="0"/>
-            </a:schemeClr>
-          </a:solidFill>
-          <a:prstDash val="solid"/>
-          <a:miter lim="800000"/>
-        </a:ln>
-        <a:effectLst/>
-      </dsp:spPr>
-      <dsp:style>
-        <a:lnRef idx="2">
-          <a:scrgbClr r="0" g="0" b="0"/>
-        </a:lnRef>
-        <a:fillRef idx="1">
-          <a:scrgbClr r="0" g="0" b="0"/>
-        </a:fillRef>
-        <a:effectRef idx="0">
-          <a:scrgbClr r="0" g="0" b="0"/>
-        </a:effectRef>
-        <a:fontRef idx="minor">
-          <a:schemeClr val="lt1"/>
-        </a:fontRef>
-      </dsp:style>
-    </dsp:sp>
-    <dsp:sp modelId="{1BEFFACF-1308-482A-B2A7-3B74C0C3E545}">
-      <dsp:nvSpPr>
-        <dsp:cNvPr id="0" name=""/>
-        <dsp:cNvSpPr/>
-      </dsp:nvSpPr>
-      <dsp:spPr>
-        <a:xfrm>
-          <a:off x="1752265" y="1684647"/>
-          <a:ext cx="1019439" cy="1019439"/>
-        </a:xfrm>
-        <a:prstGeom prst="rect">
-          <a:avLst/>
-        </a:prstGeom>
-        <a:noFill/>
-        <a:ln>
-          <a:noFill/>
-        </a:ln>
-        <a:effectLst/>
-      </dsp:spPr>
-      <dsp:style>
-        <a:lnRef idx="0">
-          <a:scrgbClr r="0" g="0" b="0"/>
-        </a:lnRef>
-        <a:fillRef idx="0">
-          <a:scrgbClr r="0" g="0" b="0"/>
-        </a:fillRef>
-        <a:effectRef idx="0">
-          <a:scrgbClr r="0" g="0" b="0"/>
-        </a:effectRef>
-        <a:fontRef idx="minor"/>
-      </dsp:style>
-      <dsp:txBody>
-        <a:bodyPr spcFirstLastPara="0" vert="horz" wrap="square" lIns="20320" tIns="20320" rIns="20320" bIns="20320" numCol="1" spcCol="1270" anchor="ctr" anchorCtr="0">
-          <a:noAutofit/>
-        </a:bodyPr>
-        <a:lstStyle/>
-        <a:p>
-          <a:pPr lvl="0" algn="ctr" defTabSz="711200">
-            <a:lnSpc>
-              <a:spcPct val="90000"/>
-            </a:lnSpc>
-            <a:spcBef>
-              <a:spcPct val="0"/>
-            </a:spcBef>
-            <a:spcAft>
-              <a:spcPct val="35000"/>
-            </a:spcAft>
-          </a:pPr>
-          <a:r>
-            <a:rPr lang="en-US" sz="1600" kern="1200" dirty="0" smtClean="0">
-              <a:solidFill>
-                <a:schemeClr val="bg1">
-                  <a:lumMod val="75000"/>
-                </a:schemeClr>
-              </a:solidFill>
-            </a:rPr>
-            <a:t>Broken</a:t>
-          </a:r>
-          <a:endParaRPr lang="en-US" sz="2600" kern="1200" dirty="0">
-            <a:solidFill>
-              <a:schemeClr val="bg1">
-                <a:lumMod val="75000"/>
-              </a:schemeClr>
-            </a:solidFill>
-          </a:endParaRPr>
-        </a:p>
-      </dsp:txBody>
-      <dsp:txXfrm>
-        <a:off x="1752265" y="1684647"/>
-        <a:ext cx="1019439" cy="1019439"/>
-      </dsp:txXfrm>
-    </dsp:sp>
-    <dsp:sp modelId="{FC8B3199-39FE-48B5-9613-6C47778576F1}">
-      <dsp:nvSpPr>
-        <dsp:cNvPr id="0" name=""/>
-        <dsp:cNvSpPr/>
-      </dsp:nvSpPr>
-      <dsp:spPr>
-        <a:xfrm>
-          <a:off x="1057030" y="-184"/>
-          <a:ext cx="2409909" cy="2409909"/>
-        </a:xfrm>
-        <a:prstGeom prst="circularArrow">
-          <a:avLst>
-            <a:gd name="adj1" fmla="val 8249"/>
-            <a:gd name="adj2" fmla="val 576154"/>
-            <a:gd name="adj3" fmla="val 10172011"/>
-            <a:gd name="adj4" fmla="val 7260159"/>
-            <a:gd name="adj5" fmla="val 9624"/>
-          </a:avLst>
-        </a:prstGeom>
-        <a:solidFill>
-          <a:schemeClr val="accent1">
-            <a:hueOff val="0"/>
-            <a:satOff val="0"/>
-            <a:lumOff val="0"/>
-            <a:alphaOff val="0"/>
-          </a:schemeClr>
-        </a:solidFill>
-        <a:ln w="12700" cap="flat" cmpd="sng" algn="ctr">
-          <a:solidFill>
-            <a:schemeClr val="lt1">
-              <a:hueOff val="0"/>
-              <a:satOff val="0"/>
-              <a:lumOff val="0"/>
-              <a:alphaOff val="0"/>
-            </a:schemeClr>
-          </a:solidFill>
-          <a:prstDash val="solid"/>
-          <a:miter lim="800000"/>
-        </a:ln>
-        <a:effectLst/>
-      </dsp:spPr>
-      <dsp:style>
-        <a:lnRef idx="2">
-          <a:scrgbClr r="0" g="0" b="0"/>
-        </a:lnRef>
-        <a:fillRef idx="1">
-          <a:scrgbClr r="0" g="0" b="0"/>
-        </a:fillRef>
-        <a:effectRef idx="0">
-          <a:scrgbClr r="0" g="0" b="0"/>
-        </a:effectRef>
-        <a:fontRef idx="minor">
-          <a:schemeClr val="lt1"/>
-        </a:fontRef>
-      </dsp:style>
-    </dsp:sp>
-    <dsp:sp modelId="{89877EDB-CBBF-4247-B6DE-2A3EDD7EAD29}">
-      <dsp:nvSpPr>
-        <dsp:cNvPr id="0" name=""/>
-        <dsp:cNvSpPr/>
-      </dsp:nvSpPr>
-      <dsp:spPr>
-        <a:xfrm>
-          <a:off x="895248" y="200250"/>
-          <a:ext cx="1019439" cy="1019439"/>
-        </a:xfrm>
-        <a:prstGeom prst="rect">
-          <a:avLst/>
-        </a:prstGeom>
-        <a:noFill/>
-        <a:ln>
-          <a:noFill/>
-        </a:ln>
-        <a:effectLst/>
-      </dsp:spPr>
-      <dsp:style>
-        <a:lnRef idx="0">
-          <a:scrgbClr r="0" g="0" b="0"/>
-        </a:lnRef>
-        <a:fillRef idx="0">
-          <a:scrgbClr r="0" g="0" b="0"/>
-        </a:fillRef>
-        <a:effectRef idx="0">
-          <a:scrgbClr r="0" g="0" b="0"/>
-        </a:effectRef>
-        <a:fontRef idx="minor"/>
-      </dsp:style>
-      <dsp:txBody>
-        <a:bodyPr spcFirstLastPara="0" vert="horz" wrap="square" lIns="20320" tIns="20320" rIns="20320" bIns="20320" numCol="1" spcCol="1270" anchor="ctr" anchorCtr="0">
-          <a:noAutofit/>
-        </a:bodyPr>
-        <a:lstStyle/>
-        <a:p>
-          <a:pPr lvl="0" algn="ctr" defTabSz="711200">
-            <a:lnSpc>
-              <a:spcPct val="90000"/>
-            </a:lnSpc>
-            <a:spcBef>
-              <a:spcPct val="0"/>
-            </a:spcBef>
-            <a:spcAft>
-              <a:spcPct val="35000"/>
-            </a:spcAft>
-          </a:pPr>
-          <a:r>
-            <a:rPr lang="en-US" sz="1600" b="1" kern="1200" dirty="0" smtClean="0">
-              <a:solidFill>
-                <a:srgbClr val="C00000"/>
-              </a:solidFill>
-            </a:rPr>
-            <a:t>Recovering</a:t>
-          </a:r>
-          <a:endParaRPr lang="en-US" sz="1200" b="1" kern="1200" dirty="0">
-            <a:solidFill>
-              <a:srgbClr val="C00000"/>
-            </a:solidFill>
-          </a:endParaRPr>
-        </a:p>
-      </dsp:txBody>
-      <dsp:txXfrm>
-        <a:off x="895248" y="200250"/>
-        <a:ext cx="1019439" cy="1019439"/>
-      </dsp:txXfrm>
-    </dsp:sp>
-    <dsp:sp modelId="{7177B9EB-CC17-4C77-B238-77848CAA95E2}">
-      <dsp:nvSpPr>
-        <dsp:cNvPr id="0" name=""/>
-        <dsp:cNvSpPr/>
-      </dsp:nvSpPr>
-      <dsp:spPr>
-        <a:xfrm>
-          <a:off x="1057030" y="-184"/>
-          <a:ext cx="2409909" cy="2409909"/>
-        </a:xfrm>
-        <a:prstGeom prst="circularArrow">
-          <a:avLst>
-            <a:gd name="adj1" fmla="val 8249"/>
-            <a:gd name="adj2" fmla="val 576154"/>
-            <a:gd name="adj3" fmla="val 16856563"/>
-            <a:gd name="adj4" fmla="val 14967283"/>
-            <a:gd name="adj5" fmla="val 9624"/>
-          </a:avLst>
-        </a:prstGeom>
-        <a:solidFill>
-          <a:schemeClr val="accent1">
-            <a:hueOff val="0"/>
-            <a:satOff val="0"/>
-            <a:lumOff val="0"/>
-            <a:alphaOff val="0"/>
-          </a:schemeClr>
-        </a:solidFill>
-        <a:ln w="12700" cap="flat" cmpd="sng" algn="ctr">
-          <a:solidFill>
-            <a:schemeClr val="lt1">
-              <a:hueOff val="0"/>
-              <a:satOff val="0"/>
-              <a:lumOff val="0"/>
-              <a:alphaOff val="0"/>
-            </a:schemeClr>
-          </a:solidFill>
-          <a:prstDash val="solid"/>
-          <a:miter lim="800000"/>
-        </a:ln>
-        <a:effectLst/>
-      </dsp:spPr>
-      <dsp:style>
-        <a:lnRef idx="2">
-          <a:scrgbClr r="0" g="0" b="0"/>
-        </a:lnRef>
-        <a:fillRef idx="1">
-          <a:scrgbClr r="0" g="0" b="0"/>
-        </a:fillRef>
-        <a:effectRef idx="0">
-          <a:scrgbClr r="0" g="0" b="0"/>
-        </a:effectRef>
-        <a:fontRef idx="minor">
-          <a:schemeClr val="lt1"/>
-        </a:fontRef>
-      </dsp:style>
-    </dsp:sp>
   </dsp:spTree>
 </dsp:drawing>
 </file>
@@ -2522,258 +2142,6 @@
       <dsp:cNvGrpSpPr/>
     </dsp:nvGrpSpPr>
     <dsp:grpSpPr/>
-    <dsp:sp modelId="{8EFF35F2-7756-42B3-82C4-E79E6683A25E}">
-      <dsp:nvSpPr>
-        <dsp:cNvPr id="0" name=""/>
-        <dsp:cNvSpPr/>
-      </dsp:nvSpPr>
-      <dsp:spPr>
-        <a:xfrm>
-          <a:off x="1377278" y="356704"/>
-          <a:ext cx="674687" cy="674687"/>
-        </a:xfrm>
-        <a:prstGeom prst="rect">
-          <a:avLst/>
-        </a:prstGeom>
-        <a:noFill/>
-        <a:ln>
-          <a:noFill/>
-        </a:ln>
-        <a:effectLst/>
-      </dsp:spPr>
-      <dsp:style>
-        <a:lnRef idx="0">
-          <a:scrgbClr r="0" g="0" b="0"/>
-        </a:lnRef>
-        <a:fillRef idx="0">
-          <a:scrgbClr r="0" g="0" b="0"/>
-        </a:fillRef>
-        <a:effectRef idx="0">
-          <a:scrgbClr r="0" g="0" b="0"/>
-        </a:effectRef>
-        <a:fontRef idx="minor"/>
-      </dsp:style>
-      <dsp:txBody>
-        <a:bodyPr spcFirstLastPara="0" vert="horz" wrap="square" lIns="15240" tIns="15240" rIns="15240" bIns="15240" numCol="1" spcCol="1270" anchor="ctr" anchorCtr="0">
-          <a:noAutofit/>
-        </a:bodyPr>
-        <a:lstStyle/>
-        <a:p>
-          <a:pPr lvl="0" algn="ctr" defTabSz="533400">
-            <a:lnSpc>
-              <a:spcPct val="90000"/>
-            </a:lnSpc>
-            <a:spcBef>
-              <a:spcPct val="0"/>
-            </a:spcBef>
-            <a:spcAft>
-              <a:spcPct val="35000"/>
-            </a:spcAft>
-          </a:pPr>
-          <a:r>
-            <a:rPr lang="en-US" sz="1200" b="1" kern="1200" dirty="0" smtClean="0">
-              <a:solidFill>
-                <a:schemeClr val="accent6">
-                  <a:lumMod val="75000"/>
-                </a:schemeClr>
-              </a:solidFill>
-            </a:rPr>
-            <a:t>Normal</a:t>
-          </a:r>
-          <a:endParaRPr lang="en-US" sz="1200" b="1" kern="1200" dirty="0">
-            <a:solidFill>
-              <a:schemeClr val="accent6">
-                <a:lumMod val="75000"/>
-              </a:schemeClr>
-            </a:solidFill>
-          </a:endParaRPr>
-        </a:p>
-      </dsp:txBody>
-      <dsp:txXfrm>
-        <a:off x="1377278" y="356704"/>
-        <a:ext cx="674687" cy="674687"/>
-      </dsp:txXfrm>
-    </dsp:sp>
-    <dsp:sp modelId="{F83AB5E1-27ED-4A4A-A0CF-38929B9FAA28}">
-      <dsp:nvSpPr>
-        <dsp:cNvPr id="0" name=""/>
-        <dsp:cNvSpPr/>
-      </dsp:nvSpPr>
-      <dsp:spPr>
-        <a:xfrm>
-          <a:off x="468390" y="-331"/>
-          <a:ext cx="1388759" cy="1388759"/>
-        </a:xfrm>
-        <a:prstGeom prst="circularArrow">
-          <a:avLst>
-            <a:gd name="adj1" fmla="val 9473"/>
-            <a:gd name="adj2" fmla="val 684107"/>
-            <a:gd name="adj3" fmla="val 7854906"/>
-            <a:gd name="adj4" fmla="val 2260987"/>
-            <a:gd name="adj5" fmla="val 11052"/>
-          </a:avLst>
-        </a:prstGeom>
-        <a:solidFill>
-          <a:schemeClr val="accent1">
-            <a:hueOff val="0"/>
-            <a:satOff val="0"/>
-            <a:lumOff val="0"/>
-            <a:alphaOff val="0"/>
-          </a:schemeClr>
-        </a:solidFill>
-        <a:ln w="12700" cap="flat" cmpd="sng" algn="ctr">
-          <a:solidFill>
-            <a:schemeClr val="lt1">
-              <a:hueOff val="0"/>
-              <a:satOff val="0"/>
-              <a:lumOff val="0"/>
-              <a:alphaOff val="0"/>
-            </a:schemeClr>
-          </a:solidFill>
-          <a:prstDash val="solid"/>
-          <a:miter lim="800000"/>
-        </a:ln>
-        <a:effectLst/>
-      </dsp:spPr>
-      <dsp:style>
-        <a:lnRef idx="2">
-          <a:scrgbClr r="0" g="0" b="0"/>
-        </a:lnRef>
-        <a:fillRef idx="1">
-          <a:scrgbClr r="0" g="0" b="0"/>
-        </a:fillRef>
-        <a:effectRef idx="0">
-          <a:scrgbClr r="0" g="0" b="0"/>
-        </a:effectRef>
-        <a:fontRef idx="minor">
-          <a:schemeClr val="lt1"/>
-        </a:fontRef>
-      </dsp:style>
-    </dsp:sp>
-    <dsp:sp modelId="{89877EDB-CBBF-4247-B6DE-2A3EDD7EAD29}">
-      <dsp:nvSpPr>
-        <dsp:cNvPr id="0" name=""/>
-        <dsp:cNvSpPr/>
-      </dsp:nvSpPr>
-      <dsp:spPr>
-        <a:xfrm>
-          <a:off x="107034" y="356704"/>
-          <a:ext cx="1007767" cy="674687"/>
-        </a:xfrm>
-        <a:prstGeom prst="rect">
-          <a:avLst/>
-        </a:prstGeom>
-        <a:noFill/>
-        <a:ln>
-          <a:noFill/>
-        </a:ln>
-        <a:effectLst/>
-      </dsp:spPr>
-      <dsp:style>
-        <a:lnRef idx="0">
-          <a:scrgbClr r="0" g="0" b="0"/>
-        </a:lnRef>
-        <a:fillRef idx="0">
-          <a:scrgbClr r="0" g="0" b="0"/>
-        </a:fillRef>
-        <a:effectRef idx="0">
-          <a:scrgbClr r="0" g="0" b="0"/>
-        </a:effectRef>
-        <a:fontRef idx="minor"/>
-      </dsp:style>
-      <dsp:txBody>
-        <a:bodyPr spcFirstLastPara="0" vert="horz" wrap="square" lIns="15240" tIns="15240" rIns="15240" bIns="15240" numCol="1" spcCol="1270" anchor="ctr" anchorCtr="0">
-          <a:noAutofit/>
-        </a:bodyPr>
-        <a:lstStyle/>
-        <a:p>
-          <a:pPr lvl="0" algn="ctr" defTabSz="533400">
-            <a:lnSpc>
-              <a:spcPct val="90000"/>
-            </a:lnSpc>
-            <a:spcBef>
-              <a:spcPct val="0"/>
-            </a:spcBef>
-            <a:spcAft>
-              <a:spcPct val="35000"/>
-            </a:spcAft>
-          </a:pPr>
-          <a:r>
-            <a:rPr lang="en-US" sz="1200" b="1" kern="1200" dirty="0" smtClean="0">
-              <a:solidFill>
-                <a:srgbClr val="C00000"/>
-              </a:solidFill>
-            </a:rPr>
-            <a:t>Recovering</a:t>
-          </a:r>
-          <a:endParaRPr lang="en-US" sz="1200" b="1" kern="1200" dirty="0">
-            <a:solidFill>
-              <a:srgbClr val="C00000"/>
-            </a:solidFill>
-          </a:endParaRPr>
-        </a:p>
-      </dsp:txBody>
-      <dsp:txXfrm>
-        <a:off x="107034" y="356704"/>
-        <a:ext cx="1007767" cy="674687"/>
-      </dsp:txXfrm>
-    </dsp:sp>
-    <dsp:sp modelId="{7177B9EB-CC17-4C77-B238-77848CAA95E2}">
-      <dsp:nvSpPr>
-        <dsp:cNvPr id="0" name=""/>
-        <dsp:cNvSpPr/>
-      </dsp:nvSpPr>
-      <dsp:spPr>
-        <a:xfrm>
-          <a:off x="468390" y="-331"/>
-          <a:ext cx="1388759" cy="1388759"/>
-        </a:xfrm>
-        <a:prstGeom prst="circularArrow">
-          <a:avLst>
-            <a:gd name="adj1" fmla="val 9473"/>
-            <a:gd name="adj2" fmla="val 684107"/>
-            <a:gd name="adj3" fmla="val 18654906"/>
-            <a:gd name="adj4" fmla="val 13060987"/>
-            <a:gd name="adj5" fmla="val 11052"/>
-          </a:avLst>
-        </a:prstGeom>
-        <a:solidFill>
-          <a:schemeClr val="accent1">
-            <a:hueOff val="0"/>
-            <a:satOff val="0"/>
-            <a:lumOff val="0"/>
-            <a:alphaOff val="0"/>
-          </a:schemeClr>
-        </a:solidFill>
-        <a:ln w="12700" cap="flat" cmpd="sng" algn="ctr">
-          <a:solidFill>
-            <a:schemeClr val="lt1">
-              <a:hueOff val="0"/>
-              <a:satOff val="0"/>
-              <a:lumOff val="0"/>
-              <a:alphaOff val="0"/>
-            </a:schemeClr>
-          </a:solidFill>
-          <a:prstDash val="solid"/>
-          <a:miter lim="800000"/>
-        </a:ln>
-        <a:effectLst/>
-      </dsp:spPr>
-      <dsp:style>
-        <a:lnRef idx="2">
-          <a:scrgbClr r="0" g="0" b="0"/>
-        </a:lnRef>
-        <a:fillRef idx="1">
-          <a:scrgbClr r="0" g="0" b="0"/>
-        </a:fillRef>
-        <a:effectRef idx="0">
-          <a:scrgbClr r="0" g="0" b="0"/>
-        </a:effectRef>
-        <a:fontRef idx="minor">
-          <a:schemeClr val="lt1"/>
-        </a:fontRef>
-      </dsp:style>
-    </dsp:sp>
   </dsp:spTree>
 </dsp:drawing>
 </file>
@@ -8146,15 +7514,7 @@
           <a:p>
             <a:r>
               <a:rPr lang="en-US" dirty="0" smtClean="0"/>
-              <a:t>John Woodward, </a:t>
-            </a:r>
-            <a:r>
-              <a:rPr lang="en-US" dirty="0" err="1" smtClean="0"/>
-              <a:t>Kaggle</a:t>
-            </a:r>
-            <a:r>
-              <a:rPr lang="en-US" dirty="0" smtClean="0"/>
-              <a:t> Dataset Predictive Analytics</a:t>
+              <a:t>John Woodward, Kaggle Dataset Predictive Analytics</a:t>
             </a:r>
             <a:endParaRPr lang="en-US" dirty="0"/>
           </a:p>
@@ -8278,15 +7638,7 @@
             <a:pPr lvl="1"/>
             <a:r>
               <a:rPr lang="en-US" dirty="0" smtClean="0"/>
-              <a:t>High-depth </a:t>
-            </a:r>
-            <a:r>
-              <a:rPr lang="en-US" dirty="0" err="1" smtClean="0"/>
-              <a:t>CatBoost</a:t>
-            </a:r>
-            <a:r>
-              <a:rPr lang="en-US" dirty="0" smtClean="0"/>
-              <a:t> decision trees (16) + feature importance</a:t>
+              <a:t>High-depth CatBoost decision trees (16) + feature importance</a:t>
             </a:r>
           </a:p>
           <a:p>
@@ -8330,12 +7682,8 @@
           <a:p>
             <a:pPr lvl="1"/>
             <a:r>
-              <a:rPr lang="en-US" dirty="0" err="1" smtClean="0"/>
-              <a:t>CatBoost</a:t>
-            </a:r>
-            <a:r>
-              <a:rPr lang="en-US" dirty="0" smtClean="0"/>
-              <a:t>*</a:t>
+              <a:rPr lang="en-US" dirty="0" smtClean="0"/>
+              <a:t>CatBoost*</a:t>
             </a:r>
           </a:p>
           <a:p>
@@ -8349,15 +7697,7 @@
             <a:pPr lvl="1"/>
             <a:r>
               <a:rPr lang="en-US" dirty="0" smtClean="0"/>
-              <a:t>Ensemble of best ML models (</a:t>
-            </a:r>
-            <a:r>
-              <a:rPr lang="en-US" dirty="0" err="1" smtClean="0"/>
-              <a:t>VotingClassifier</a:t>
-            </a:r>
-            <a:r>
-              <a:rPr lang="en-US" dirty="0" smtClean="0"/>
-              <a:t>)</a:t>
+              <a:t>Ensemble of best ML models (VotingClassifier)</a:t>
             </a:r>
           </a:p>
           <a:p>
@@ -8743,35 +8083,14 @@
             <a:pPr lvl="1"/>
             <a:r>
               <a:rPr lang="en-US" dirty="0" smtClean="0"/>
-              <a:t>This applies to the original prediction probability, which is then absorbed in a </a:t>
-            </a:r>
-            <a:r>
-              <a:rPr lang="en-US" dirty="0" smtClean="0"/>
-              <a:t>time-window aggregation classifier</a:t>
-            </a:r>
-            <a:endParaRPr lang="en-US" dirty="0" smtClean="0"/>
+              <a:t>This applies to the original prediction probability, which is then absorbed in a time-window aggregation classifier</a:t>
+            </a:r>
           </a:p>
           <a:p>
             <a:pPr lvl="2"/>
             <a:r>
               <a:rPr lang="en-US" dirty="0" smtClean="0"/>
-              <a:t>forming an </a:t>
-            </a:r>
-            <a:r>
-              <a:rPr lang="en-US" dirty="0" smtClean="0"/>
-              <a:t>autoregressive, temporal </a:t>
-            </a:r>
-            <a:r>
-              <a:rPr lang="en-US" dirty="0" smtClean="0"/>
-              <a:t>smoothing that improves the MCC significantly (up to 96% on </a:t>
-            </a:r>
-            <a:r>
-              <a:rPr lang="en-US" dirty="0" err="1" smtClean="0"/>
-              <a:t>test+holdout</a:t>
-            </a:r>
-            <a:r>
-              <a:rPr lang="en-US" dirty="0" smtClean="0"/>
-              <a:t> MCC).</a:t>
+              <a:t>forming an autoregressive, temporal smoothing that improves the MCC significantly (up to 96% on test+holdout MCC).</a:t>
             </a:r>
             <a:endParaRPr lang="en-US" dirty="0"/>
           </a:p>
@@ -9036,12 +8355,8 @@
               <a:t>Created </a:t>
             </a:r>
             <a:r>
-              <a:rPr lang="en-US" dirty="0" err="1"/>
-              <a:t>supernode</a:t>
-            </a:r>
-            <a:r>
               <a:rPr lang="en-US" dirty="0"/>
-              <a:t> features capturing multi-sensor </a:t>
+              <a:t>supernode features capturing multi-sensor </a:t>
             </a:r>
             <a:r>
               <a:rPr lang="en-US" dirty="0" smtClean="0"/>
@@ -9080,12 +8395,8 @@
               <a:t>Regression, SVM, </a:t>
             </a:r>
             <a:r>
-              <a:rPr lang="en-US" dirty="0" err="1" smtClean="0"/>
-              <a:t>CatBoost</a:t>
-            </a:r>
-            <a:r>
-              <a:rPr lang="en-US" dirty="0" smtClean="0"/>
-              <a:t>*, </a:t>
+              <a:rPr lang="en-US" dirty="0" smtClean="0"/>
+              <a:t>CatBoost*, </a:t>
             </a:r>
             <a:r>
               <a:rPr lang="en-US" dirty="0"/>
@@ -9097,15 +8408,7 @@
             </a:r>
             <a:r>
               <a:rPr lang="en-US" dirty="0"/>
-              <a:t>(</a:t>
-            </a:r>
-            <a:r>
-              <a:rPr lang="en-US" dirty="0" err="1"/>
-              <a:t>VotingClassifier</a:t>
-            </a:r>
-            <a:r>
-              <a:rPr lang="en-US" dirty="0"/>
-              <a:t>) tested, but not </a:t>
+              <a:t>(VotingClassifier) tested, but not </a:t>
             </a:r>
             <a:r>
               <a:rPr lang="en-US" dirty="0" smtClean="0"/>
@@ -9332,11 +8635,7 @@
           <a:p>
             <a:r>
               <a:rPr lang="en-US" dirty="0" smtClean="0"/>
-              <a:t>Water Pump </a:t>
-            </a:r>
-            <a:r>
-              <a:rPr lang="en-US" dirty="0" smtClean="0"/>
-              <a:t>Stats (Aggregated)</a:t>
+              <a:t>Water Pump Stats (Aggregated)</a:t>
             </a:r>
             <a:endParaRPr lang="en-US" dirty="0"/>
           </a:p>
@@ -9484,11 +8783,7 @@
           <a:p>
             <a:r>
               <a:rPr lang="en-US" dirty="0" smtClean="0"/>
-              <a:t>Water Pump </a:t>
-            </a:r>
-            <a:r>
-              <a:rPr lang="en-US" dirty="0" smtClean="0"/>
-              <a:t>Stats (Continued)</a:t>
+              <a:t>Water Pump Stats (Continued)</a:t>
             </a:r>
             <a:endParaRPr lang="en-US" dirty="0"/>
           </a:p>
@@ -10059,13 +9354,8 @@
             <a:pPr lvl="2"/>
             <a:r>
               <a:rPr lang="en-US" dirty="0" smtClean="0"/>
-              <a:t>0 = No Change </a:t>
-            </a:r>
-            <a:r>
-              <a:rPr lang="en-US" dirty="0" smtClean="0"/>
-              <a:t>Expected</a:t>
-            </a:r>
-            <a:endParaRPr lang="en-US" dirty="0" smtClean="0"/>
+              <a:t>0 = No Change Expected</a:t>
+            </a:r>
           </a:p>
         </p:txBody>
       </p:sp>
@@ -10229,15 +9519,7 @@
           <a:p>
             <a:r>
               <a:rPr lang="en-US" dirty="0" smtClean="0"/>
-              <a:t>Classifying `</a:t>
-            </a:r>
-            <a:r>
-              <a:rPr lang="en-US" dirty="0" err="1" smtClean="0"/>
-              <a:t>machine_status</a:t>
-            </a:r>
-            <a:r>
-              <a:rPr lang="en-US" dirty="0" smtClean="0"/>
-              <a:t>` Changes: </a:t>
+              <a:t>Classifying `machine_status` Changes: </a:t>
             </a:r>
             <a:br>
               <a:rPr lang="en-US" dirty="0" smtClean="0"/>
@@ -10466,11 +9748,7 @@
             </a:br>
             <a:r>
               <a:rPr lang="en-US" dirty="0" smtClean="0"/>
-              <a:t>Capturing Sensor </a:t>
-            </a:r>
-            <a:r>
-              <a:rPr lang="en-US" dirty="0" smtClean="0"/>
-              <a:t>Relationships</a:t>
+              <a:t>Capturing Sensor Relationships</a:t>
             </a:r>
             <a:endParaRPr lang="en-US" i="1" dirty="0"/>
           </a:p>
@@ -10500,94 +9778,43 @@
           <a:p>
             <a:r>
               <a:rPr lang="en-US" dirty="0" smtClean="0"/>
-              <a:t>Domain-knowledge: “Machines have correlated sensors</a:t>
-            </a:r>
-            <a:r>
-              <a:rPr lang="en-US" dirty="0" smtClean="0"/>
-              <a:t>” let’s exploit this:</a:t>
-            </a:r>
-            <a:endParaRPr lang="en-US" dirty="0" smtClean="0"/>
+              <a:t>Domain-knowledge: “Machines have correlated sensors” let’s exploit this:</a:t>
+            </a:r>
           </a:p>
           <a:p>
             <a:pPr lvl="1"/>
             <a:r>
               <a:rPr lang="en-US" strike="sngStrike" dirty="0" smtClean="0"/>
-              <a:t>Apply </a:t>
-            </a:r>
-            <a:r>
-              <a:rPr lang="en-US" strike="sngStrike" dirty="0" smtClean="0"/>
-              <a:t>graph-learning on </a:t>
-            </a:r>
-            <a:r>
-              <a:rPr lang="en-US" strike="sngStrike" dirty="0" smtClean="0"/>
-              <a:t>status predictions</a:t>
-            </a:r>
-            <a:endParaRPr lang="en-US" strike="sngStrike" dirty="0" smtClean="0"/>
+              <a:t>Apply graph-learning on status predictions</a:t>
+            </a:r>
           </a:p>
           <a:p>
             <a:pPr lvl="2"/>
             <a:r>
               <a:rPr lang="en-US" i="1" dirty="0" smtClean="0"/>
-              <a:t>Pivoted. TREE-G</a:t>
+              <a:t>Pivoted. TREE-G, a novel, graph-learning gradient-boosting decision tree struggling with scaling up (unable to fit 200K rows even after days or runtime).</a:t>
+            </a:r>
+          </a:p>
+          <a:p>
+            <a:pPr lvl="1"/>
+            <a:r>
+              <a:rPr lang="en-US" dirty="0" smtClean="0"/>
+              <a:t>Apply graph-informed features</a:t>
+            </a:r>
+          </a:p>
+          <a:p>
+            <a:pPr lvl="2"/>
+            <a:r>
+              <a:rPr lang="en-US" dirty="0" smtClean="0"/>
+              <a:t>Clustering based on </a:t>
             </a:r>
             <a:r>
               <a:rPr lang="en-US" i="1" dirty="0" smtClean="0"/>
-              <a:t>, a novel, graph-learning gradient-boosting decision tree struggling with scaling up (unable to fit </a:t>
-            </a:r>
-            <a:r>
-              <a:rPr lang="en-US" i="1" dirty="0" smtClean="0"/>
-              <a:t>200K rows even </a:t>
-            </a:r>
-            <a:r>
-              <a:rPr lang="en-US" i="1" dirty="0" smtClean="0"/>
-              <a:t>after </a:t>
-            </a:r>
-            <a:r>
-              <a:rPr lang="en-US" i="1" dirty="0" smtClean="0"/>
-              <a:t>days or runtime).</a:t>
-            </a:r>
-            <a:endParaRPr lang="en-US" i="1" dirty="0" smtClean="0"/>
-          </a:p>
-          <a:p>
-            <a:pPr lvl="1"/>
-            <a:r>
-              <a:rPr lang="en-US" dirty="0" smtClean="0"/>
-              <a:t>Apply </a:t>
-            </a:r>
-            <a:r>
-              <a:rPr lang="en-US" dirty="0" smtClean="0"/>
-              <a:t>graph-informed </a:t>
-            </a:r>
-            <a:r>
-              <a:rPr lang="en-US" dirty="0" smtClean="0"/>
-              <a:t>features</a:t>
-            </a:r>
-          </a:p>
-          <a:p>
-            <a:pPr lvl="2"/>
-            <a:r>
-              <a:rPr lang="en-US" dirty="0" smtClean="0"/>
-              <a:t>Clustering </a:t>
-            </a:r>
-            <a:r>
-              <a:rPr lang="en-US" dirty="0" smtClean="0"/>
-              <a:t>based on </a:t>
-            </a:r>
-            <a:r>
-              <a:rPr lang="en-US" i="1" dirty="0" smtClean="0"/>
-              <a:t>Spearman </a:t>
-            </a:r>
-            <a:r>
-              <a:rPr lang="en-US" i="1" dirty="0" smtClean="0"/>
-              <a:t>Correlation</a:t>
-            </a:r>
-            <a:r>
-              <a:rPr lang="en-US" dirty="0" smtClean="0"/>
-              <a:t> (&gt;= 60%) on sensor values specifically</a:t>
-            </a:r>
-            <a:r>
-              <a:rPr lang="en-US" dirty="0" smtClean="0"/>
-              <a:t>.</a:t>
+              <a:t>Spearman Correlation</a:t>
+            </a:r>
+            <a:r>
+              <a:rPr lang="en-US" dirty="0" smtClean="0"/>
+              <a:t> (&gt;= 60%) on sensor values specifically.</a:t>
             </a:r>
           </a:p>
           <a:p>
@@ -10616,7 +9843,6 @@
               <a:rPr lang="en-US" i="1" dirty="0" smtClean="0"/>
               <a:t>spurious outliers</a:t>
             </a:r>
-            <a:endParaRPr lang="en-US" i="1" dirty="0" smtClean="0"/>
           </a:p>
         </p:txBody>
       </p:sp>
@@ -10880,15 +10106,7 @@
             </a:br>
             <a:r>
               <a:rPr lang="en-US" dirty="0" smtClean="0"/>
-              <a:t>+ 8 </a:t>
-            </a:r>
-            <a:r>
-              <a:rPr lang="en-US" dirty="0" err="1" smtClean="0"/>
-              <a:t>Supernodes</a:t>
-            </a:r>
-            <a:r>
-              <a:rPr lang="en-US" dirty="0" smtClean="0"/>
-              <a:t> (Clusters of 2+ Correlated Sensors)</a:t>
+              <a:t>+ 8 Supernodes (Clusters of 2+ Correlated Sensors)</a:t>
             </a:r>
             <a:endParaRPr lang="en-US" dirty="0"/>
           </a:p>
@@ -10947,22 +10165,9 @@
               <a:buChar char="•"/>
             </a:pPr>
             <a:r>
-              <a:rPr lang="en-US" sz="2000" dirty="0" err="1" smtClean="0"/>
-              <a:t>Supernodes</a:t>
-            </a:r>
-            <a:r>
               <a:rPr lang="en-US" sz="2000" dirty="0" smtClean="0"/>
-              <a:t> </a:t>
-            </a:r>
-            <a:r>
-              <a:rPr lang="en-US" sz="2000" dirty="0" smtClean="0"/>
-              <a:t>aggregate </a:t>
-            </a:r>
-            <a:r>
-              <a:rPr lang="en-US" sz="2000" dirty="0" smtClean="0"/>
-              <a:t>2+ nodes by:</a:t>
-            </a:r>
-            <a:endParaRPr lang="en-US" sz="2000" dirty="0" smtClean="0"/>
+              <a:t>Supernodes aggregate 2+ nodes by:</a:t>
+            </a:r>
           </a:p>
           <a:p>
             <a:pPr marL="1200150" lvl="2" indent="-285750">

--- a/Report.pptx
+++ b/Report.pptx
@@ -9792,7 +9792,19 @@
             <a:pPr lvl="2"/>
             <a:r>
               <a:rPr lang="en-US" i="1" dirty="0" smtClean="0"/>
-              <a:t>Pivoted. TREE-G, a novel, graph-learning gradient-boosting decision tree struggling with scaling up (unable to fit 200K rows even after days or runtime).</a:t>
+              <a:t>Pivoted. TREE-G, a novel, graph-learning gradient-boosting decision </a:t>
+            </a:r>
+            <a:r>
+              <a:rPr lang="en-US" i="1" smtClean="0"/>
+              <a:t>tree </a:t>
+            </a:r>
+            <a:r>
+              <a:rPr lang="en-US" i="1" smtClean="0"/>
+              <a:t>struggled </a:t>
+            </a:r>
+            <a:r>
+              <a:rPr lang="en-US" i="1" dirty="0" smtClean="0"/>
+              <a:t>with scaling up (unable to fit 200K rows even after days or runtime).</a:t>
             </a:r>
           </a:p>
           <a:p>
